--- a/Abgabe/GIT-Handbuch.pptx
+++ b/Abgabe/GIT-Handbuch.pptx
@@ -272,7 +272,7 @@
           <a:p>
             <a:fld id="{9E04667A-082B-4E0E-B695-D2BD63CBA566}" type="datetimeFigureOut">
               <a:rPr lang="de-DE" smtClean="0"/>
-              <a:t>03.02.2017</a:t>
+              <a:t>06.02.2017</a:t>
             </a:fld>
             <a:endParaRPr lang="de-DE"/>
           </a:p>
@@ -442,7 +442,7 @@
           <a:p>
             <a:fld id="{9E04667A-082B-4E0E-B695-D2BD63CBA566}" type="datetimeFigureOut">
               <a:rPr lang="de-DE" smtClean="0"/>
-              <a:t>03.02.2017</a:t>
+              <a:t>06.02.2017</a:t>
             </a:fld>
             <a:endParaRPr lang="de-DE"/>
           </a:p>
@@ -622,7 +622,7 @@
           <a:p>
             <a:fld id="{9E04667A-082B-4E0E-B695-D2BD63CBA566}" type="datetimeFigureOut">
               <a:rPr lang="de-DE" smtClean="0"/>
-              <a:t>03.02.2017</a:t>
+              <a:t>06.02.2017</a:t>
             </a:fld>
             <a:endParaRPr lang="de-DE"/>
           </a:p>
@@ -792,7 +792,7 @@
           <a:p>
             <a:fld id="{9E04667A-082B-4E0E-B695-D2BD63CBA566}" type="datetimeFigureOut">
               <a:rPr lang="de-DE" smtClean="0"/>
-              <a:t>03.02.2017</a:t>
+              <a:t>06.02.2017</a:t>
             </a:fld>
             <a:endParaRPr lang="de-DE"/>
           </a:p>
@@ -1038,7 +1038,7 @@
           <a:p>
             <a:fld id="{9E04667A-082B-4E0E-B695-D2BD63CBA566}" type="datetimeFigureOut">
               <a:rPr lang="de-DE" smtClean="0"/>
-              <a:t>03.02.2017</a:t>
+              <a:t>06.02.2017</a:t>
             </a:fld>
             <a:endParaRPr lang="de-DE"/>
           </a:p>
@@ -1270,7 +1270,7 @@
           <a:p>
             <a:fld id="{9E04667A-082B-4E0E-B695-D2BD63CBA566}" type="datetimeFigureOut">
               <a:rPr lang="de-DE" smtClean="0"/>
-              <a:t>03.02.2017</a:t>
+              <a:t>06.02.2017</a:t>
             </a:fld>
             <a:endParaRPr lang="de-DE"/>
           </a:p>
@@ -1637,7 +1637,7 @@
           <a:p>
             <a:fld id="{9E04667A-082B-4E0E-B695-D2BD63CBA566}" type="datetimeFigureOut">
               <a:rPr lang="de-DE" smtClean="0"/>
-              <a:t>03.02.2017</a:t>
+              <a:t>06.02.2017</a:t>
             </a:fld>
             <a:endParaRPr lang="de-DE"/>
           </a:p>
@@ -1755,7 +1755,7 @@
           <a:p>
             <a:fld id="{9E04667A-082B-4E0E-B695-D2BD63CBA566}" type="datetimeFigureOut">
               <a:rPr lang="de-DE" smtClean="0"/>
-              <a:t>03.02.2017</a:t>
+              <a:t>06.02.2017</a:t>
             </a:fld>
             <a:endParaRPr lang="de-DE"/>
           </a:p>
@@ -1850,7 +1850,7 @@
           <a:p>
             <a:fld id="{9E04667A-082B-4E0E-B695-D2BD63CBA566}" type="datetimeFigureOut">
               <a:rPr lang="de-DE" smtClean="0"/>
-              <a:t>03.02.2017</a:t>
+              <a:t>06.02.2017</a:t>
             </a:fld>
             <a:endParaRPr lang="de-DE"/>
           </a:p>
@@ -2127,7 +2127,7 @@
           <a:p>
             <a:fld id="{9E04667A-082B-4E0E-B695-D2BD63CBA566}" type="datetimeFigureOut">
               <a:rPr lang="de-DE" smtClean="0"/>
-              <a:t>03.02.2017</a:t>
+              <a:t>06.02.2017</a:t>
             </a:fld>
             <a:endParaRPr lang="de-DE"/>
           </a:p>
@@ -2380,7 +2380,7 @@
           <a:p>
             <a:fld id="{9E04667A-082B-4E0E-B695-D2BD63CBA566}" type="datetimeFigureOut">
               <a:rPr lang="de-DE" smtClean="0"/>
-              <a:t>03.02.2017</a:t>
+              <a:t>06.02.2017</a:t>
             </a:fld>
             <a:endParaRPr lang="de-DE"/>
           </a:p>
@@ -2593,7 +2593,7 @@
           <a:p>
             <a:fld id="{9E04667A-082B-4E0E-B695-D2BD63CBA566}" type="datetimeFigureOut">
               <a:rPr lang="de-DE" smtClean="0"/>
-              <a:t>03.02.2017</a:t>
+              <a:t>06.02.2017</a:t>
             </a:fld>
             <a:endParaRPr lang="de-DE"/>
           </a:p>
@@ -3124,7 +3124,34 @@
                 </a:solidFill>
                 <a:latin typeface="Century Gothic" panose="020B0502020202020204" pitchFamily="34" charset="0"/>
               </a:rPr>
-              <a:t>by Alexander Bartz de Cárdenas, Tom Leutner, Jonas Meisner, Sven Gapski</a:t>
+              <a:t>by Alexander Bartz de Cárdenas, Tom Leutner, </a:t>
+            </a:r>
+            <a:r>
+              <a:rPr lang="de-DE" sz="3200" smtClean="0">
+                <a:solidFill>
+                  <a:srgbClr val="F05033"/>
+                </a:solidFill>
+                <a:latin typeface="Century Gothic" panose="020B0502020202020204" pitchFamily="34" charset="0"/>
+              </a:rPr>
+              <a:t>Jonas </a:t>
+            </a:r>
+            <a:r>
+              <a:rPr lang="de-DE" sz="3200" smtClean="0">
+                <a:solidFill>
+                  <a:srgbClr val="F05033"/>
+                </a:solidFill>
+                <a:latin typeface="Century Gothic" panose="020B0502020202020204" pitchFamily="34" charset="0"/>
+              </a:rPr>
+              <a:t>Krahl, </a:t>
+            </a:r>
+            <a:r>
+              <a:rPr lang="de-DE" sz="3200" dirty="0" smtClean="0">
+                <a:solidFill>
+                  <a:srgbClr val="F05033"/>
+                </a:solidFill>
+                <a:latin typeface="Century Gothic" panose="020B0502020202020204" pitchFamily="34" charset="0"/>
+              </a:rPr>
+              <a:t>Sven Gapski</a:t>
             </a:r>
           </a:p>
         </p:txBody>
@@ -5580,18 +5607,7 @@
                 <a:ea typeface="Microsoft JhengHei" panose="020B0604030504040204" pitchFamily="34" charset="-120"/>
                 <a:cs typeface="Ebrima" panose="02000000000000000000" pitchFamily="2" charset="0"/>
               </a:rPr>
-              <a:t> </a:t>
-            </a:r>
-            <a:r>
-              <a:rPr lang="de-DE" sz="2400" dirty="0" smtClean="0">
-                <a:solidFill>
-                  <a:schemeClr val="bg1"/>
-                </a:solidFill>
-                <a:latin typeface="Microsoft JhengHei" panose="020B0604030504040204" pitchFamily="34" charset="-120"/>
-                <a:ea typeface="Microsoft JhengHei" panose="020B0604030504040204" pitchFamily="34" charset="-120"/>
-                <a:cs typeface="Ebrima" panose="02000000000000000000" pitchFamily="2" charset="0"/>
-              </a:rPr>
-              <a:t> .</a:t>
+              <a:t>  .</a:t>
             </a:r>
             <a:endParaRPr lang="de-DE" sz="2400" dirty="0">
               <a:solidFill>
